--- a/spring16/slidesS16/predicate-logic7.pptx
+++ b/spring16/slidesS16/predicate-logic7.pptx
@@ -2342,7 +2342,7 @@
           <a:graphicData uri="http://schemas.openxmlformats.org/presentationml/2006/ole">
             <mc:AlternateContent xmlns:mc="http://schemas.openxmlformats.org/markup-compatibility/2006">
               <mc:Choice xmlns:v="urn:schemas-microsoft-com:vml" Requires="v">
-                <p:oleObj spid="_x0000_s10369" name="Equation" r:id="rId3" imgW="165100" imgH="165100" progId="Equation.DSMT4">
+                <p:oleObj spid="_x0000_s10378" name="Equation" r:id="rId3" imgW="165100" imgH="165100" progId="Equation.DSMT4">
                   <p:embed/>
                 </p:oleObj>
               </mc:Choice>
@@ -2677,7 +2677,7 @@
           <a:graphicData uri="http://schemas.openxmlformats.org/presentationml/2006/ole">
             <mc:AlternateContent xmlns:mc="http://schemas.openxmlformats.org/markup-compatibility/2006">
               <mc:Choice xmlns:v="urn:schemas-microsoft-com:vml" Requires="v">
-                <p:oleObj spid="_x0000_s10370" name="Equation" r:id="rId5" imgW="139700" imgH="215900" progId="Equation.DSMT4">
+                <p:oleObj spid="_x0000_s10379" name="Equation" r:id="rId5" imgW="139700" imgH="215900" progId="Equation.DSMT4">
                   <p:embed/>
                 </p:oleObj>
               </mc:Choice>
@@ -2734,7 +2734,7 @@
           <a:graphicData uri="http://schemas.openxmlformats.org/presentationml/2006/ole">
             <mc:AlternateContent xmlns:mc="http://schemas.openxmlformats.org/markup-compatibility/2006">
               <mc:Choice xmlns:v="urn:schemas-microsoft-com:vml" Requires="v">
-                <p:oleObj spid="_x0000_s10371" name="Equation" r:id="rId7" imgW="127000" imgH="215900" progId="Equation.DSMT4">
+                <p:oleObj spid="_x0000_s10380" name="Equation" r:id="rId7" imgW="127000" imgH="215900" progId="Equation.DSMT4">
                   <p:embed/>
                 </p:oleObj>
               </mc:Choice>
@@ -2791,7 +2791,7 @@
           <a:graphicData uri="http://schemas.openxmlformats.org/presentationml/2006/ole">
             <mc:AlternateContent xmlns:mc="http://schemas.openxmlformats.org/markup-compatibility/2006">
               <mc:Choice xmlns:v="urn:schemas-microsoft-com:vml" Requires="v">
-                <p:oleObj spid="_x0000_s10372" name="Equation" r:id="rId9" imgW="114300" imgH="203200" progId="Equation.DSMT4">
+                <p:oleObj spid="_x0000_s10381" name="Equation" r:id="rId9" imgW="114300" imgH="203200" progId="Equation.DSMT4">
                   <p:embed/>
                 </p:oleObj>
               </mc:Choice>
@@ -2848,7 +2848,7 @@
           <a:graphicData uri="http://schemas.openxmlformats.org/presentationml/2006/ole">
             <mc:AlternateContent xmlns:mc="http://schemas.openxmlformats.org/markup-compatibility/2006">
               <mc:Choice xmlns:v="urn:schemas-microsoft-com:vml" Requires="v">
-                <p:oleObj spid="_x0000_s10373" name="Equation" r:id="rId11" imgW="127000" imgH="203200" progId="Equation.DSMT4">
+                <p:oleObj spid="_x0000_s10382" name="Equation" r:id="rId11" imgW="127000" imgH="203200" progId="Equation.DSMT4">
                   <p:embed/>
                 </p:oleObj>
               </mc:Choice>
@@ -2905,7 +2905,7 @@
           <a:graphicData uri="http://schemas.openxmlformats.org/presentationml/2006/ole">
             <mc:AlternateContent xmlns:mc="http://schemas.openxmlformats.org/markup-compatibility/2006">
               <mc:Choice xmlns:v="urn:schemas-microsoft-com:vml" Requires="v">
-                <p:oleObj spid="_x0000_s10374" name="Equation" r:id="rId13" imgW="139700" imgH="215900" progId="Equation.DSMT4">
+                <p:oleObj spid="_x0000_s10383" name="Equation" r:id="rId13" imgW="139700" imgH="215900" progId="Equation.DSMT4">
                   <p:embed/>
                 </p:oleObj>
               </mc:Choice>
@@ -2962,7 +2962,7 @@
           <a:graphicData uri="http://schemas.openxmlformats.org/presentationml/2006/ole">
             <mc:AlternateContent xmlns:mc="http://schemas.openxmlformats.org/markup-compatibility/2006">
               <mc:Choice xmlns:v="urn:schemas-microsoft-com:vml" Requires="v">
-                <p:oleObj spid="_x0000_s10375" name="Equation" r:id="rId14" imgW="127000" imgH="203200" progId="Equation.DSMT4">
+                <p:oleObj spid="_x0000_s10384" name="Equation" r:id="rId14" imgW="127000" imgH="203200" progId="Equation.DSMT4">
                   <p:embed/>
                 </p:oleObj>
               </mc:Choice>
@@ -3019,7 +3019,7 @@
           <a:graphicData uri="http://schemas.openxmlformats.org/presentationml/2006/ole">
             <mc:AlternateContent xmlns:mc="http://schemas.openxmlformats.org/markup-compatibility/2006">
               <mc:Choice xmlns:v="urn:schemas-microsoft-com:vml" Requires="v">
-                <p:oleObj spid="_x0000_s10376" name="Equation" r:id="rId15" imgW="114300" imgH="203200" progId="Equation.DSMT4">
+                <p:oleObj spid="_x0000_s10385" name="Equation" r:id="rId15" imgW="114300" imgH="203200" progId="Equation.DSMT4">
                   <p:embed/>
                 </p:oleObj>
               </mc:Choice>
@@ -4052,7 +4052,7 @@
           <a:graphicData uri="http://schemas.openxmlformats.org/presentationml/2006/ole">
             <mc:AlternateContent xmlns:mc="http://schemas.openxmlformats.org/markup-compatibility/2006">
               <mc:Choice xmlns:v="urn:schemas-microsoft-com:vml" Requires="v">
-                <p:oleObj spid="_x0000_s13402" name="Equation" r:id="rId3" imgW="419100" imgH="190500" progId="Equation.DSMT4">
+                <p:oleObj spid="_x0000_s13407" name="Equation" r:id="rId3" imgW="419100" imgH="190500" progId="Equation.DSMT4">
                   <p:embed/>
                 </p:oleObj>
               </mc:Choice>
@@ -4109,7 +4109,7 @@
           <a:graphicData uri="http://schemas.openxmlformats.org/presentationml/2006/ole">
             <mc:AlternateContent xmlns:mc="http://schemas.openxmlformats.org/markup-compatibility/2006">
               <mc:Choice xmlns:v="urn:schemas-microsoft-com:vml" Requires="v">
-                <p:oleObj spid="_x0000_s13403" name="Equation" r:id="rId5" imgW="596900" imgH="228600" progId="Equation.DSMT4">
+                <p:oleObj spid="_x0000_s13408" name="Equation" r:id="rId5" imgW="596900" imgH="228600" progId="Equation.DSMT4">
                   <p:embed/>
                 </p:oleObj>
               </mc:Choice>
@@ -4166,7 +4166,7 @@
           <a:graphicData uri="http://schemas.openxmlformats.org/presentationml/2006/ole">
             <mc:AlternateContent xmlns:mc="http://schemas.openxmlformats.org/markup-compatibility/2006">
               <mc:Choice xmlns:v="urn:schemas-microsoft-com:vml" Requires="v">
-                <p:oleObj spid="_x0000_s13404" name="Equation" r:id="rId7" imgW="736600" imgH="266700" progId="Equation.DSMT4">
+                <p:oleObj spid="_x0000_s13409" name="Equation" r:id="rId7" imgW="736600" imgH="266700" progId="Equation.DSMT4">
                   <p:embed/>
                 </p:oleObj>
               </mc:Choice>
@@ -4223,7 +4223,7 @@
           <a:graphicData uri="http://schemas.openxmlformats.org/presentationml/2006/ole">
             <mc:AlternateContent xmlns:mc="http://schemas.openxmlformats.org/markup-compatibility/2006">
               <mc:Choice xmlns:v="urn:schemas-microsoft-com:vml" Requires="v">
-                <p:oleObj spid="_x0000_s13405" name="Equation" r:id="rId9" imgW="800100" imgH="241300" progId="Equation.DSMT4">
+                <p:oleObj spid="_x0000_s13410" name="Equation" r:id="rId9" imgW="800100" imgH="241300" progId="Equation.DSMT4">
                   <p:embed/>
                 </p:oleObj>
               </mc:Choice>
@@ -4573,7 +4573,7 @@
           <a:graphicData uri="http://schemas.openxmlformats.org/presentationml/2006/ole">
             <mc:AlternateContent xmlns:mc="http://schemas.openxmlformats.org/markup-compatibility/2006">
               <mc:Choice xmlns:v="urn:schemas-microsoft-com:vml" Requires="v">
-                <p:oleObj spid="_x0000_s14360" name="Equation" r:id="rId3" imgW="1778000" imgH="482600" progId="Equation.DSMT4">
+                <p:oleObj spid="_x0000_s14362" name="Equation" r:id="rId3" imgW="1778000" imgH="482600" progId="Equation.DSMT4">
                   <p:embed/>
                 </p:oleObj>
               </mc:Choice>
@@ -4858,7 +4858,7 @@
           <a:graphicData uri="http://schemas.openxmlformats.org/presentationml/2006/ole">
             <mc:AlternateContent xmlns:mc="http://schemas.openxmlformats.org/markup-compatibility/2006">
               <mc:Choice xmlns:v="urn:schemas-microsoft-com:vml" Requires="v">
-                <p:oleObj spid="_x0000_s15379" name="Equation" r:id="rId3" imgW="1892300" imgH="482600" progId="Equation.DSMT4">
+                <p:oleObj spid="_x0000_s15381" name="Equation" r:id="rId3" imgW="1892300" imgH="482600" progId="Equation.DSMT4">
                   <p:embed/>
                 </p:oleObj>
               </mc:Choice>
@@ -5143,7 +5143,7 @@
           <a:graphicData uri="http://schemas.openxmlformats.org/presentationml/2006/ole">
             <mc:AlternateContent xmlns:mc="http://schemas.openxmlformats.org/markup-compatibility/2006">
               <mc:Choice xmlns:v="urn:schemas-microsoft-com:vml" Requires="v">
-                <p:oleObj spid="_x0000_s17419" name="Equation" r:id="rId3" imgW="2260600" imgH="939800" progId="Equation.DSMT4">
+                <p:oleObj spid="_x0000_s17421" name="Equation" r:id="rId3" imgW="2260600" imgH="939800" progId="Equation.DSMT4">
                   <p:embed/>
                 </p:oleObj>
               </mc:Choice>
@@ -5361,7 +5361,7 @@
           <a:graphicData uri="http://schemas.openxmlformats.org/presentationml/2006/ole">
             <mc:AlternateContent xmlns:mc="http://schemas.openxmlformats.org/markup-compatibility/2006">
               <mc:Choice xmlns:v="urn:schemas-microsoft-com:vml" Requires="v">
-                <p:oleObj spid="_x0000_s16400" name="Equation" r:id="rId3" imgW="1930400" imgH="1168400" progId="Equation.DSMT4">
+                <p:oleObj spid="_x0000_s16402" name="Equation" r:id="rId3" imgW="1930400" imgH="1168400" progId="Equation.DSMT4">
                   <p:embed/>
                 </p:oleObj>
               </mc:Choice>
@@ -5567,7 +5567,7 @@
           <a:graphicData uri="http://schemas.openxmlformats.org/presentationml/2006/ole">
             <mc:AlternateContent xmlns:mc="http://schemas.openxmlformats.org/markup-compatibility/2006">
               <mc:Choice xmlns:v="urn:schemas-microsoft-com:vml" Requires="v">
-                <p:oleObj spid="_x0000_s20492" name="Equation" r:id="rId3" imgW="2387600" imgH="939800" progId="Equation.DSMT4">
+                <p:oleObj spid="_x0000_s20494" name="Equation" r:id="rId3" imgW="2387600" imgH="939800" progId="Equation.DSMT4">
                   <p:embed/>
                 </p:oleObj>
               </mc:Choice>
@@ -5755,7 +5755,7 @@
           <a:graphicData uri="http://schemas.openxmlformats.org/presentationml/2006/ole">
             <mc:AlternateContent xmlns:mc="http://schemas.openxmlformats.org/markup-compatibility/2006">
               <mc:Choice xmlns:v="urn:schemas-microsoft-com:vml" Requires="v">
-                <p:oleObj spid="_x0000_s21516" name="Equation" r:id="rId3" imgW="1485900" imgH="304800" progId="Equation.DSMT4">
+                <p:oleObj spid="_x0000_s21518" name="Equation" r:id="rId3" imgW="1485900" imgH="304800" progId="Equation.DSMT4">
                   <p:embed/>
                 </p:oleObj>
               </mc:Choice>
@@ -5974,7 +5974,7 @@
           <a:graphicData uri="http://schemas.openxmlformats.org/presentationml/2006/ole">
             <mc:AlternateContent xmlns:mc="http://schemas.openxmlformats.org/markup-compatibility/2006">
               <mc:Choice xmlns:v="urn:schemas-microsoft-com:vml" Requires="v">
-                <p:oleObj spid="_x0000_s1054" name="Equation" r:id="rId3" imgW="1104900" imgH="330200" progId="Equation.DSMT4">
+                <p:oleObj spid="_x0000_s1056" name="Equation" r:id="rId3" imgW="1104900" imgH="330200" progId="Equation.DSMT4">
                   <p:embed/>
                 </p:oleObj>
               </mc:Choice>
@@ -6317,7 +6317,28 @@
                 <a:latin typeface="Comic Sans MS"/>
                 <a:cs typeface="Comic Sans MS"/>
               </a:rPr>
-              <a:t>formulas for lined of </a:t>
+              <a:t>formulas </a:t>
+            </a:r>
+            <a:r>
+              <a:rPr lang="en-US" sz="4400" smtClean="0">
+                <a:latin typeface="Comic Sans MS"/>
+                <a:cs typeface="Comic Sans MS"/>
+              </a:rPr>
+              <a:t>for </a:t>
+            </a:r>
+            <a:r>
+              <a:rPr lang="en-US" sz="4400" smtClean="0">
+                <a:latin typeface="Comic Sans MS"/>
+                <a:cs typeface="Comic Sans MS"/>
+              </a:rPr>
+              <a:t>lines </a:t>
+            </a:r>
+            <a:r>
+              <a:rPr lang="en-US" sz="4400" dirty="0" smtClean="0">
+                <a:latin typeface="Comic Sans MS"/>
+                <a:cs typeface="Comic Sans MS"/>
+              </a:rPr>
+              <a:t>of </a:t>
             </a:r>
             <a:r>
               <a:rPr lang="en-US" sz="4400" dirty="0" smtClean="0">
@@ -6654,7 +6675,7 @@
           <a:graphicData uri="http://schemas.openxmlformats.org/presentationml/2006/ole">
             <mc:AlternateContent xmlns:mc="http://schemas.openxmlformats.org/markup-compatibility/2006">
               <mc:Choice xmlns:v="urn:schemas-microsoft-com:vml" Requires="v">
-                <p:oleObj spid="_x0000_s23568" name="Equation" r:id="rId3" imgW="965200" imgH="304800" progId="Equation.DSMT4">
+                <p:oleObj spid="_x0000_s23571" name="Equation" r:id="rId3" imgW="965200" imgH="304800" progId="Equation.DSMT4">
                   <p:embed/>
                 </p:oleObj>
               </mc:Choice>
@@ -6711,7 +6732,7 @@
           <a:graphicData uri="http://schemas.openxmlformats.org/presentationml/2006/ole">
             <mc:AlternateContent xmlns:mc="http://schemas.openxmlformats.org/markup-compatibility/2006">
               <mc:Choice xmlns:v="urn:schemas-microsoft-com:vml" Requires="v">
-                <p:oleObj spid="_x0000_s23569" name="Equation" r:id="rId5" imgW="596900" imgH="228600" progId="Equation.DSMT4">
+                <p:oleObj spid="_x0000_s23572" name="Equation" r:id="rId5" imgW="596900" imgH="228600" progId="Equation.DSMT4">
                   <p:embed/>
                 </p:oleObj>
               </mc:Choice>
@@ -7735,7 +7756,7 @@
           <a:graphicData uri="http://schemas.openxmlformats.org/presentationml/2006/ole">
             <mc:AlternateContent xmlns:mc="http://schemas.openxmlformats.org/markup-compatibility/2006">
               <mc:Choice xmlns:v="urn:schemas-microsoft-com:vml" Requires="v">
-                <p:oleObj spid="_x0000_s27654" name="Equation" r:id="rId3" imgW="165100" imgH="165100" progId="Equation.DSMT4">
+                <p:oleObj spid="_x0000_s27656" name="Equation" r:id="rId3" imgW="165100" imgH="165100" progId="Equation.DSMT4">
                   <p:embed/>
                 </p:oleObj>
               </mc:Choice>
@@ -8018,7 +8039,7 @@
           <a:graphicData uri="http://schemas.openxmlformats.org/presentationml/2006/ole">
             <mc:AlternateContent xmlns:mc="http://schemas.openxmlformats.org/markup-compatibility/2006">
               <mc:Choice xmlns:v="urn:schemas-microsoft-com:vml" Requires="v">
-                <p:oleObj spid="_x0000_s29702" name="Equation" r:id="rId3" imgW="165100" imgH="165100" progId="Equation.DSMT4">
+                <p:oleObj spid="_x0000_s29704" name="Equation" r:id="rId3" imgW="165100" imgH="165100" progId="Equation.DSMT4">
                   <p:embed/>
                 </p:oleObj>
               </mc:Choice>
@@ -8416,7 +8437,7 @@
           <a:graphicData uri="http://schemas.openxmlformats.org/presentationml/2006/ole">
             <mc:AlternateContent xmlns:mc="http://schemas.openxmlformats.org/markup-compatibility/2006">
               <mc:Choice xmlns:v="urn:schemas-microsoft-com:vml" Requires="v">
-                <p:oleObj spid="_x0000_s30727" name="Equation" r:id="rId3" imgW="165100" imgH="165100" progId="Equation.DSMT4">
+                <p:oleObj spid="_x0000_s30729" name="Equation" r:id="rId3" imgW="165100" imgH="165100" progId="Equation.DSMT4">
                   <p:embed/>
                 </p:oleObj>
               </mc:Choice>
@@ -9444,7 +9465,7 @@
           <a:graphicData uri="http://schemas.openxmlformats.org/presentationml/2006/ole">
             <mc:AlternateContent xmlns:mc="http://schemas.openxmlformats.org/markup-compatibility/2006">
               <mc:Choice xmlns:v="urn:schemas-microsoft-com:vml" Requires="v">
-                <p:oleObj spid="_x0000_s2136" name="Equation" r:id="rId3" imgW="139700" imgH="215900" progId="Equation.DSMT4">
+                <p:oleObj spid="_x0000_s2140" name="Equation" r:id="rId3" imgW="139700" imgH="215900" progId="Equation.DSMT4">
                   <p:embed/>
                 </p:oleObj>
               </mc:Choice>
@@ -9515,7 +9536,7 @@
             <a:graphicData uri="http://schemas.openxmlformats.org/presentationml/2006/ole">
               <mc:AlternateContent xmlns:mc="http://schemas.openxmlformats.org/markup-compatibility/2006">
                 <mc:Choice xmlns:v="urn:schemas-microsoft-com:vml" Requires="v">
-                  <p:oleObj spid="_x0000_s2137" name="Equation" r:id="rId5" imgW="1244600" imgH="457200" progId="Equation.DSMT4">
+                  <p:oleObj spid="_x0000_s2141" name="Equation" r:id="rId5" imgW="1244600" imgH="457200" progId="Equation.DSMT4">
                     <p:embed/>
                   </p:oleObj>
                 </mc:Choice>
@@ -9572,7 +9593,7 @@
             <a:graphicData uri="http://schemas.openxmlformats.org/presentationml/2006/ole">
               <mc:AlternateContent xmlns:mc="http://schemas.openxmlformats.org/markup-compatibility/2006">
                 <mc:Choice xmlns:v="urn:schemas-microsoft-com:vml" Requires="v">
-                  <p:oleObj spid="_x0000_s2138" name="Equation" r:id="rId7" imgW="406400" imgH="215900" progId="Equation.DSMT4">
+                  <p:oleObj spid="_x0000_s2142" name="Equation" r:id="rId7" imgW="406400" imgH="215900" progId="Equation.DSMT4">
                     <p:embed/>
                   </p:oleObj>
                 </mc:Choice>
@@ -9769,7 +9790,7 @@
           <a:graphicData uri="http://schemas.openxmlformats.org/presentationml/2006/ole">
             <mc:AlternateContent xmlns:mc="http://schemas.openxmlformats.org/markup-compatibility/2006">
               <mc:Choice xmlns:v="urn:schemas-microsoft-com:vml" Requires="v">
-                <p:oleObj spid="_x0000_s3161" name="Equation" r:id="rId3" imgW="139700" imgH="215900" progId="Equation.DSMT4">
+                <p:oleObj spid="_x0000_s3165" name="Equation" r:id="rId3" imgW="139700" imgH="215900" progId="Equation.DSMT4">
                   <p:embed/>
                 </p:oleObj>
               </mc:Choice>
@@ -9826,7 +9847,7 @@
           <a:graphicData uri="http://schemas.openxmlformats.org/presentationml/2006/ole">
             <mc:AlternateContent xmlns:mc="http://schemas.openxmlformats.org/markup-compatibility/2006">
               <mc:Choice xmlns:v="urn:schemas-microsoft-com:vml" Requires="v">
-                <p:oleObj spid="_x0000_s3162" name="Equation" r:id="rId5" imgW="2400300" imgH="228600" progId="Equation.DSMT4">
+                <p:oleObj spid="_x0000_s3166" name="Equation" r:id="rId5" imgW="2400300" imgH="228600" progId="Equation.DSMT4">
                   <p:embed/>
                 </p:oleObj>
               </mc:Choice>
@@ -9883,7 +9904,7 @@
           <a:graphicData uri="http://schemas.openxmlformats.org/presentationml/2006/ole">
             <mc:AlternateContent xmlns:mc="http://schemas.openxmlformats.org/markup-compatibility/2006">
               <mc:Choice xmlns:v="urn:schemas-microsoft-com:vml" Requires="v">
-                <p:oleObj spid="_x0000_s3163" name="Equation" r:id="rId7" imgW="1206500" imgH="215900" progId="Equation.DSMT4">
+                <p:oleObj spid="_x0000_s3167" name="Equation" r:id="rId7" imgW="1206500" imgH="215900" progId="Equation.DSMT4">
                   <p:embed/>
                 </p:oleObj>
               </mc:Choice>
@@ -11208,7 +11229,7 @@
             <a:graphicData uri="http://schemas.openxmlformats.org/presentationml/2006/ole">
               <mc:AlternateContent xmlns:mc="http://schemas.openxmlformats.org/markup-compatibility/2006">
                 <mc:Choice xmlns:v="urn:schemas-microsoft-com:vml" Requires="v">
-                  <p:oleObj spid="_x0000_s4128" name="Equation" r:id="rId3" imgW="139700" imgH="215900" progId="Equation.DSMT4">
+                  <p:oleObj spid="_x0000_s4130" name="Equation" r:id="rId3" imgW="139700" imgH="215900" progId="Equation.DSMT4">
                     <p:embed/>
                   </p:oleObj>
                 </mc:Choice>
